--- a/origin_draws/SocketPro for Node.js.pptx
+++ b/origin_draws/SocketPro for Node.js.pptx
@@ -5,35 +5,37 @@
     <p:sldMasterId id="2147483648" r:id="rId1"/>
   </p:sldMasterIdLst>
   <p:notesMasterIdLst>
-    <p:notesMasterId r:id="rId28"/>
+    <p:notesMasterId r:id="rId30"/>
   </p:notesMasterIdLst>
   <p:sldIdLst>
     <p:sldId id="280" r:id="rId2"/>
     <p:sldId id="256" r:id="rId3"/>
-    <p:sldId id="257" r:id="rId4"/>
-    <p:sldId id="259" r:id="rId5"/>
-    <p:sldId id="261" r:id="rId6"/>
-    <p:sldId id="262" r:id="rId7"/>
-    <p:sldId id="260" r:id="rId8"/>
-    <p:sldId id="264" r:id="rId9"/>
-    <p:sldId id="263" r:id="rId10"/>
-    <p:sldId id="270" r:id="rId11"/>
-    <p:sldId id="265" r:id="rId12"/>
-    <p:sldId id="266" r:id="rId13"/>
-    <p:sldId id="267" r:id="rId14"/>
-    <p:sldId id="272" r:id="rId15"/>
-    <p:sldId id="269" r:id="rId16"/>
-    <p:sldId id="281" r:id="rId17"/>
-    <p:sldId id="268" r:id="rId18"/>
-    <p:sldId id="276" r:id="rId19"/>
-    <p:sldId id="282" r:id="rId20"/>
-    <p:sldId id="288" r:id="rId21"/>
-    <p:sldId id="284" r:id="rId22"/>
-    <p:sldId id="285" r:id="rId23"/>
-    <p:sldId id="286" r:id="rId24"/>
-    <p:sldId id="287" r:id="rId25"/>
-    <p:sldId id="283" r:id="rId26"/>
-    <p:sldId id="278" r:id="rId27"/>
+    <p:sldId id="289" r:id="rId4"/>
+    <p:sldId id="257" r:id="rId5"/>
+    <p:sldId id="259" r:id="rId6"/>
+    <p:sldId id="261" r:id="rId7"/>
+    <p:sldId id="262" r:id="rId8"/>
+    <p:sldId id="260" r:id="rId9"/>
+    <p:sldId id="264" r:id="rId10"/>
+    <p:sldId id="263" r:id="rId11"/>
+    <p:sldId id="270" r:id="rId12"/>
+    <p:sldId id="265" r:id="rId13"/>
+    <p:sldId id="266" r:id="rId14"/>
+    <p:sldId id="267" r:id="rId15"/>
+    <p:sldId id="272" r:id="rId16"/>
+    <p:sldId id="269" r:id="rId17"/>
+    <p:sldId id="281" r:id="rId18"/>
+    <p:sldId id="268" r:id="rId19"/>
+    <p:sldId id="276" r:id="rId20"/>
+    <p:sldId id="282" r:id="rId21"/>
+    <p:sldId id="288" r:id="rId22"/>
+    <p:sldId id="284" r:id="rId23"/>
+    <p:sldId id="285" r:id="rId24"/>
+    <p:sldId id="290" r:id="rId25"/>
+    <p:sldId id="286" r:id="rId26"/>
+    <p:sldId id="287" r:id="rId27"/>
+    <p:sldId id="283" r:id="rId28"/>
+    <p:sldId id="278" r:id="rId29"/>
   </p:sldIdLst>
   <p:sldSz cx="9144000" cy="6858000" type="screen4x3"/>
   <p:notesSz cx="6858000" cy="9144000"/>
@@ -4128,6 +4130,377 @@
       </p:grpSpPr>
       <p:sp>
         <p:nvSpPr>
+          <p:cNvPr id="13314" name="Rectangle 1"/>
+          <p:cNvSpPr>
+            <a:spLocks noGrp="1" noChangeArrowheads="1"/>
+          </p:cNvSpPr>
+          <p:nvPr>
+            <p:ph type="title"/>
+          </p:nvPr>
+        </p:nvSpPr>
+        <p:spPr>
+          <a:xfrm>
+            <a:off x="457200" y="371475"/>
+            <a:ext cx="8229600" cy="1312863"/>
+          </a:xfrm>
+        </p:spPr>
+        <p:txBody>
+          <a:bodyPr/>
+          <a:lstStyle/>
+          <a:p>
+            <a:pPr eaLnBrk="1" hangingPunct="1">
+              <a:buClrTx/>
+              <a:buFontTx/>
+              <a:buNone/>
+              <a:tabLst>
+                <a:tab pos="0" algn="l"/>
+                <a:tab pos="914400" algn="l"/>
+                <a:tab pos="1828800" algn="l"/>
+                <a:tab pos="2743200" algn="l"/>
+                <a:tab pos="3657600" algn="l"/>
+                <a:tab pos="4572000" algn="l"/>
+                <a:tab pos="5486400" algn="l"/>
+                <a:tab pos="6400800" algn="l"/>
+                <a:tab pos="7315200" algn="l"/>
+                <a:tab pos="8229600" algn="l"/>
+                <a:tab pos="9144000" algn="l"/>
+                <a:tab pos="10058400" algn="l"/>
+              </a:tabLst>
+            </a:pPr>
+            <a:r>
+              <a:rPr lang="en-US" sz="4000" b="1" dirty="0" err="1"/>
+              <a:t>SocketPro</a:t>
+            </a:r>
+            <a:r>
+              <a:rPr lang="en-US" sz="4000" b="1" dirty="0"/>
+              <a:t> Adapters for More Developers</a:t>
+            </a:r>
+          </a:p>
+        </p:txBody>
+      </p:sp>
+      <p:sp>
+        <p:nvSpPr>
+          <p:cNvPr id="13315" name="Rectangle 2"/>
+          <p:cNvSpPr>
+            <a:spLocks noGrp="1" noChangeArrowheads="1"/>
+          </p:cNvSpPr>
+          <p:nvPr>
+            <p:ph type="body" idx="1"/>
+          </p:nvPr>
+        </p:nvSpPr>
+        <p:spPr>
+          <a:xfrm>
+            <a:off x="1143000" y="1881051"/>
+            <a:ext cx="7086600" cy="3681549"/>
+          </a:xfrm>
+        </p:spPr>
+        <p:txBody>
+          <a:bodyPr>
+            <a:normAutofit/>
+          </a:bodyPr>
+          <a:lstStyle/>
+          <a:p>
+            <a:pPr marL="341313" indent="-341313" eaLnBrk="1" hangingPunct="1">
+              <a:spcBef>
+                <a:spcPts val="600"/>
+              </a:spcBef>
+              <a:buClr>
+                <a:srgbClr val="000099"/>
+              </a:buClr>
+              <a:buFont typeface="Arial" charset="0"/>
+              <a:buChar char="•"/>
+              <a:tabLst>
+                <a:tab pos="911225" algn="l"/>
+                <a:tab pos="1825625" algn="l"/>
+                <a:tab pos="2740025" algn="l"/>
+                <a:tab pos="3654425" algn="l"/>
+                <a:tab pos="4568825" algn="l"/>
+                <a:tab pos="5483225" algn="l"/>
+                <a:tab pos="6397625" algn="l"/>
+                <a:tab pos="7312025" algn="l"/>
+                <a:tab pos="8226425" algn="l"/>
+                <a:tab pos="9140825" algn="l"/>
+                <a:tab pos="10055225" algn="l"/>
+              </a:tabLst>
+            </a:pPr>
+            <a:r>
+              <a:rPr lang="en-US" sz="2800" dirty="0">
+                <a:solidFill>
+                  <a:srgbClr val="000099"/>
+                </a:solidFill>
+              </a:rPr>
+              <a:t>C++ adapters – a few header and </a:t>
+            </a:r>
+            <a:r>
+              <a:rPr lang="en-US" sz="2800" dirty="0" err="1">
+                <a:solidFill>
+                  <a:srgbClr val="000099"/>
+                </a:solidFill>
+              </a:rPr>
+              <a:t>cpp</a:t>
+            </a:r>
+            <a:r>
+              <a:rPr lang="en-US" sz="2800" dirty="0">
+                <a:solidFill>
+                  <a:srgbClr val="000099"/>
+                </a:solidFill>
+              </a:rPr>
+              <a:t> files</a:t>
+            </a:r>
+          </a:p>
+          <a:p>
+            <a:pPr marL="341313" indent="-341313" eaLnBrk="1" hangingPunct="1">
+              <a:spcBef>
+                <a:spcPts val="600"/>
+              </a:spcBef>
+              <a:buClr>
+                <a:srgbClr val="000099"/>
+              </a:buClr>
+              <a:buFont typeface="Arial" charset="0"/>
+              <a:buChar char="•"/>
+              <a:tabLst>
+                <a:tab pos="911225" algn="l"/>
+                <a:tab pos="1825625" algn="l"/>
+                <a:tab pos="2740025" algn="l"/>
+                <a:tab pos="3654425" algn="l"/>
+                <a:tab pos="4568825" algn="l"/>
+                <a:tab pos="5483225" algn="l"/>
+                <a:tab pos="6397625" algn="l"/>
+                <a:tab pos="7312025" algn="l"/>
+                <a:tab pos="8226425" algn="l"/>
+                <a:tab pos="9140825" algn="l"/>
+                <a:tab pos="10055225" algn="l"/>
+              </a:tabLst>
+            </a:pPr>
+            <a:r>
+              <a:rPr lang="en-US" sz="2800" dirty="0">
+                <a:solidFill>
+                  <a:srgbClr val="000099"/>
+                </a:solidFill>
+              </a:rPr>
+              <a:t>One .NET adapter</a:t>
+            </a:r>
+          </a:p>
+          <a:p>
+            <a:pPr marL="341313" indent="-341313" eaLnBrk="1" hangingPunct="1">
+              <a:spcBef>
+                <a:spcPts val="600"/>
+              </a:spcBef>
+              <a:buClr>
+                <a:srgbClr val="000099"/>
+              </a:buClr>
+              <a:buFont typeface="Arial" charset="0"/>
+              <a:buChar char="•"/>
+              <a:tabLst>
+                <a:tab pos="911225" algn="l"/>
+                <a:tab pos="1825625" algn="l"/>
+                <a:tab pos="2740025" algn="l"/>
+                <a:tab pos="3654425" algn="l"/>
+                <a:tab pos="4568825" algn="l"/>
+                <a:tab pos="5483225" algn="l"/>
+                <a:tab pos="6397625" algn="l"/>
+                <a:tab pos="7312025" algn="l"/>
+                <a:tab pos="8226425" algn="l"/>
+                <a:tab pos="9140825" algn="l"/>
+                <a:tab pos="10055225" algn="l"/>
+              </a:tabLst>
+            </a:pPr>
+            <a:r>
+              <a:rPr lang="en-US" sz="2800" dirty="0">
+                <a:solidFill>
+                  <a:srgbClr val="000099"/>
+                </a:solidFill>
+              </a:rPr>
+              <a:t>Java adapter</a:t>
+            </a:r>
+          </a:p>
+          <a:p>
+            <a:pPr marL="341313" indent="-341313" eaLnBrk="1" hangingPunct="1">
+              <a:spcBef>
+                <a:spcPts val="600"/>
+              </a:spcBef>
+              <a:buClr>
+                <a:srgbClr val="000099"/>
+              </a:buClr>
+              <a:buFont typeface="Arial" charset="0"/>
+              <a:buChar char="•"/>
+              <a:tabLst>
+                <a:tab pos="911225" algn="l"/>
+                <a:tab pos="1825625" algn="l"/>
+                <a:tab pos="2740025" algn="l"/>
+                <a:tab pos="3654425" algn="l"/>
+                <a:tab pos="4568825" algn="l"/>
+                <a:tab pos="5483225" algn="l"/>
+                <a:tab pos="6397625" algn="l"/>
+                <a:tab pos="7312025" algn="l"/>
+                <a:tab pos="8226425" algn="l"/>
+                <a:tab pos="9140825" algn="l"/>
+                <a:tab pos="10055225" algn="l"/>
+              </a:tabLst>
+            </a:pPr>
+            <a:r>
+              <a:rPr lang="en-US" sz="2800" dirty="0">
+                <a:solidFill>
+                  <a:srgbClr val="000099"/>
+                </a:solidFill>
+              </a:rPr>
+              <a:t>Python adapter</a:t>
+            </a:r>
+          </a:p>
+          <a:p>
+            <a:pPr marL="341313" indent="-341313">
+              <a:spcBef>
+                <a:spcPts val="600"/>
+              </a:spcBef>
+              <a:buClr>
+                <a:srgbClr val="000099"/>
+              </a:buClr>
+              <a:buFont typeface="Arial" charset="0"/>
+              <a:buChar char="•"/>
+              <a:tabLst>
+                <a:tab pos="911225" algn="l"/>
+                <a:tab pos="1825625" algn="l"/>
+                <a:tab pos="2740025" algn="l"/>
+                <a:tab pos="3654425" algn="l"/>
+                <a:tab pos="4568825" algn="l"/>
+                <a:tab pos="5483225" algn="l"/>
+                <a:tab pos="6397625" algn="l"/>
+                <a:tab pos="7312025" algn="l"/>
+                <a:tab pos="8226425" algn="l"/>
+                <a:tab pos="9140825" algn="l"/>
+                <a:tab pos="10055225" algn="l"/>
+              </a:tabLst>
+            </a:pPr>
+            <a:r>
+              <a:rPr lang="en-US" sz="2800" dirty="0">
+                <a:solidFill>
+                  <a:srgbClr val="0000FF"/>
+                </a:solidFill>
+              </a:rPr>
+              <a:t>Node.js adapter</a:t>
+            </a:r>
+          </a:p>
+          <a:p>
+            <a:pPr marL="341313" indent="-341313" eaLnBrk="1" hangingPunct="1">
+              <a:spcBef>
+                <a:spcPts val="600"/>
+              </a:spcBef>
+              <a:buClr>
+                <a:srgbClr val="000099"/>
+              </a:buClr>
+              <a:buFont typeface="Arial" charset="0"/>
+              <a:buChar char="•"/>
+              <a:tabLst>
+                <a:tab pos="911225" algn="l"/>
+                <a:tab pos="1825625" algn="l"/>
+                <a:tab pos="2740025" algn="l"/>
+                <a:tab pos="3654425" algn="l"/>
+                <a:tab pos="4568825" algn="l"/>
+                <a:tab pos="5483225" algn="l"/>
+                <a:tab pos="6397625" algn="l"/>
+                <a:tab pos="7312025" algn="l"/>
+                <a:tab pos="8226425" algn="l"/>
+                <a:tab pos="9140825" algn="l"/>
+                <a:tab pos="10055225" algn="l"/>
+              </a:tabLst>
+            </a:pPr>
+            <a:r>
+              <a:rPr lang="en-US" sz="2800" dirty="0">
+                <a:solidFill>
+                  <a:srgbClr val="000099"/>
+                </a:solidFill>
+              </a:rPr>
+              <a:t>One JavaScript adapter for browsers</a:t>
+            </a:r>
+            <a:endParaRPr lang="en-US" sz="2800" dirty="0">
+              <a:solidFill>
+                <a:schemeClr val="accent2"/>
+              </a:solidFill>
+            </a:endParaRPr>
+          </a:p>
+          <a:p>
+            <a:pPr marL="341313" indent="-341313" eaLnBrk="1" hangingPunct="1">
+              <a:spcBef>
+                <a:spcPts val="600"/>
+              </a:spcBef>
+              <a:buFont typeface="Arial" charset="0"/>
+              <a:buChar char="•"/>
+              <a:tabLst>
+                <a:tab pos="911225" algn="l"/>
+                <a:tab pos="1825625" algn="l"/>
+                <a:tab pos="2740025" algn="l"/>
+                <a:tab pos="3654425" algn="l"/>
+                <a:tab pos="4568825" algn="l"/>
+                <a:tab pos="5483225" algn="l"/>
+                <a:tab pos="6397625" algn="l"/>
+                <a:tab pos="7312025" algn="l"/>
+                <a:tab pos="8226425" algn="l"/>
+                <a:tab pos="9140825" algn="l"/>
+                <a:tab pos="10055225" algn="l"/>
+              </a:tabLst>
+            </a:pPr>
+            <a:r>
+              <a:rPr lang="en-US" sz="2800" dirty="0"/>
+              <a:t>PHP adapter in the future</a:t>
+            </a:r>
+          </a:p>
+        </p:txBody>
+      </p:sp>
+    </p:spTree>
+  </p:cSld>
+  <p:clrMapOvr>
+    <a:masterClrMapping/>
+  </p:clrMapOvr>
+  <p:transition spd="med"/>
+  <p:timing>
+    <p:tnLst>
+      <p:par>
+        <p:cTn id="1" dur="indefinite" restart="never" nodeType="tmRoot">
+          <p:childTnLst>
+            <p:seq concurrent="1" nextAc="seek">
+              <p:cTn id="2" dur="0" nodeType="mainSeq"/>
+              <p:prevCondLst>
+                <p:cond evt="onPrev" delay="0">
+                  <p:tgtEl>
+                    <p:sldTgt/>
+                  </p:tgtEl>
+                </p:cond>
+              </p:prevCondLst>
+              <p:nextCondLst>
+                <p:cond evt="onNext" delay="0">
+                  <p:tgtEl>
+                    <p:sldTgt/>
+                  </p:tgtEl>
+                </p:cond>
+              </p:nextCondLst>
+            </p:seq>
+          </p:childTnLst>
+        </p:cTn>
+      </p:par>
+    </p:tnLst>
+  </p:timing>
+</p:sld>
+</file>
+
+<file path=ppt/slides/slide11.xml><?xml version="1.0" encoding="utf-8"?>
+<p:sld xmlns:a="http://schemas.openxmlformats.org/drawingml/2006/main" xmlns:r="http://schemas.openxmlformats.org/officeDocument/2006/relationships" xmlns:p="http://schemas.openxmlformats.org/presentationml/2006/main">
+  <p:cSld>
+    <p:spTree>
+      <p:nvGrpSpPr>
+        <p:cNvPr id="1" name=""/>
+        <p:cNvGrpSpPr/>
+        <p:nvPr/>
+      </p:nvGrpSpPr>
+      <p:grpSpPr>
+        <a:xfrm>
+          <a:off x="0" y="0"/>
+          <a:ext cx="0" cy="0"/>
+          <a:chOff x="0" y="0"/>
+          <a:chExt cx="0" cy="0"/>
+        </a:xfrm>
+      </p:grpSpPr>
+      <p:sp>
+        <p:nvSpPr>
           <p:cNvPr id="2" name="Title 1"/>
           <p:cNvSpPr>
             <a:spLocks noGrp="1"/>
@@ -4234,7 +4607,7 @@
 </p:sld>
 </file>
 
-<file path=ppt/slides/slide11.xml><?xml version="1.0" encoding="utf-8"?>
+<file path=ppt/slides/slide12.xml><?xml version="1.0" encoding="utf-8"?>
 <p:sld xmlns:a="http://schemas.openxmlformats.org/drawingml/2006/main" xmlns:r="http://schemas.openxmlformats.org/officeDocument/2006/relationships" xmlns:p="http://schemas.openxmlformats.org/presentationml/2006/main">
   <p:cSld>
     <p:spTree>
@@ -4473,7 +4846,7 @@
 </p:sld>
 </file>
 
-<file path=ppt/slides/slide12.xml><?xml version="1.0" encoding="utf-8"?>
+<file path=ppt/slides/slide13.xml><?xml version="1.0" encoding="utf-8"?>
 <p:sld xmlns:a="http://schemas.openxmlformats.org/drawingml/2006/main" xmlns:r="http://schemas.openxmlformats.org/officeDocument/2006/relationships" xmlns:p="http://schemas.openxmlformats.org/presentationml/2006/main">
   <p:cSld>
     <p:spTree>
@@ -4563,7 +4936,7 @@
 </p:sld>
 </file>
 
-<file path=ppt/slides/slide13.xml><?xml version="1.0" encoding="utf-8"?>
+<file path=ppt/slides/slide14.xml><?xml version="1.0" encoding="utf-8"?>
 <p:sld xmlns:a="http://schemas.openxmlformats.org/drawingml/2006/main" xmlns:r="http://schemas.openxmlformats.org/officeDocument/2006/relationships" xmlns:p="http://schemas.openxmlformats.org/presentationml/2006/main">
   <p:cSld>
     <p:spTree>
@@ -4665,7 +5038,7 @@
 </p:sld>
 </file>
 
-<file path=ppt/slides/slide14.xml><?xml version="1.0" encoding="utf-8"?>
+<file path=ppt/slides/slide15.xml><?xml version="1.0" encoding="utf-8"?>
 <p:sld xmlns:a="http://schemas.openxmlformats.org/drawingml/2006/main" xmlns:r="http://schemas.openxmlformats.org/officeDocument/2006/relationships" xmlns:p="http://schemas.openxmlformats.org/presentationml/2006/main">
   <p:cSld>
     <p:spTree>
@@ -4756,7 +5129,7 @@
 </p:sld>
 </file>
 
-<file path=ppt/slides/slide15.xml><?xml version="1.0" encoding="utf-8"?>
+<file path=ppt/slides/slide16.xml><?xml version="1.0" encoding="utf-8"?>
 <p:sld xmlns:a="http://schemas.openxmlformats.org/drawingml/2006/main" xmlns:r="http://schemas.openxmlformats.org/officeDocument/2006/relationships" xmlns:p="http://schemas.openxmlformats.org/presentationml/2006/main">
   <p:cSld>
     <p:spTree>
@@ -4842,7 +5215,7 @@
 </p:sld>
 </file>
 
-<file path=ppt/slides/slide16.xml><?xml version="1.0" encoding="utf-8"?>
+<file path=ppt/slides/slide17.xml><?xml version="1.0" encoding="utf-8"?>
 <p:sld xmlns:a="http://schemas.openxmlformats.org/drawingml/2006/main" xmlns:r="http://schemas.openxmlformats.org/officeDocument/2006/relationships" xmlns:p="http://schemas.openxmlformats.org/presentationml/2006/main">
   <p:cSld>
     <p:spTree>
@@ -4941,7 +5314,7 @@
 </p:sld>
 </file>
 
-<file path=ppt/slides/slide17.xml><?xml version="1.0" encoding="utf-8"?>
+<file path=ppt/slides/slide18.xml><?xml version="1.0" encoding="utf-8"?>
 <p:sld xmlns:a="http://schemas.openxmlformats.org/drawingml/2006/main" xmlns:r="http://schemas.openxmlformats.org/officeDocument/2006/relationships" xmlns:p="http://schemas.openxmlformats.org/presentationml/2006/main">
   <p:cSld>
     <p:spTree>
@@ -5022,7 +5395,7 @@
 </p:sld>
 </file>
 
-<file path=ppt/slides/slide18.xml><?xml version="1.0" encoding="utf-8"?>
+<file path=ppt/slides/slide19.xml><?xml version="1.0" encoding="utf-8"?>
 <p:sld xmlns:a="http://schemas.openxmlformats.org/drawingml/2006/main" xmlns:r="http://schemas.openxmlformats.org/officeDocument/2006/relationships" xmlns:p="http://schemas.openxmlformats.org/presentationml/2006/main">
   <p:cSld>
     <p:spTree>
@@ -5578,94 +5951,6 @@
 </p:sld>
 </file>
 
-<file path=ppt/slides/slide19.xml><?xml version="1.0" encoding="utf-8"?>
-<p:sld xmlns:a="http://schemas.openxmlformats.org/drawingml/2006/main" xmlns:r="http://schemas.openxmlformats.org/officeDocument/2006/relationships" xmlns:p="http://schemas.openxmlformats.org/presentationml/2006/main">
-  <p:cSld>
-    <p:spTree>
-      <p:nvGrpSpPr>
-        <p:cNvPr id="1" name=""/>
-        <p:cNvGrpSpPr/>
-        <p:nvPr/>
-      </p:nvGrpSpPr>
-      <p:grpSpPr>
-        <a:xfrm>
-          <a:off x="0" y="0"/>
-          <a:ext cx="0" cy="0"/>
-          <a:chOff x="0" y="0"/>
-          <a:chExt cx="0" cy="0"/>
-        </a:xfrm>
-      </p:grpSpPr>
-      <p:sp>
-        <p:nvSpPr>
-          <p:cNvPr id="2" name="Title 1">
-            <a:extLst>
-              <a:ext uri="{FF2B5EF4-FFF2-40B4-BE49-F238E27FC236}">
-                <a16:creationId xmlns:a16="http://schemas.microsoft.com/office/drawing/2014/main" id="{8F8AEC9F-1E6F-4091-8706-33A8780D04C7}"/>
-              </a:ext>
-            </a:extLst>
-          </p:cNvPr>
-          <p:cNvSpPr>
-            <a:spLocks noGrp="1"/>
-          </p:cNvSpPr>
-          <p:nvPr>
-            <p:ph type="title"/>
-          </p:nvPr>
-        </p:nvSpPr>
-        <p:spPr/>
-        <p:txBody>
-          <a:bodyPr/>
-          <a:lstStyle/>
-          <a:p>
-            <a:r>
-              <a:rPr lang="en-US" dirty="0"/>
-              <a:t>Demo for Client Server Pattern</a:t>
-            </a:r>
-          </a:p>
-        </p:txBody>
-      </p:sp>
-      <p:sp>
-        <p:nvSpPr>
-          <p:cNvPr id="3" name="Content Placeholder 2">
-            <a:extLst>
-              <a:ext uri="{FF2B5EF4-FFF2-40B4-BE49-F238E27FC236}">
-                <a16:creationId xmlns:a16="http://schemas.microsoft.com/office/drawing/2014/main" id="{CD664BB3-CDCB-47A7-9D94-5F1761C8D0E0}"/>
-              </a:ext>
-            </a:extLst>
-          </p:cNvPr>
-          <p:cNvSpPr>
-            <a:spLocks noGrp="1"/>
-          </p:cNvSpPr>
-          <p:nvPr>
-            <p:ph idx="1"/>
-          </p:nvPr>
-        </p:nvSpPr>
-        <p:spPr>
-          <a:xfrm>
-            <a:off x="457200" y="1600200"/>
-            <a:ext cx="8229600" cy="4525963"/>
-          </a:xfrm>
-        </p:spPr>
-        <p:txBody>
-          <a:bodyPr/>
-          <a:lstStyle/>
-          <a:p>
-            <a:endParaRPr lang="en-US" dirty="0"/>
-          </a:p>
-        </p:txBody>
-      </p:sp>
-    </p:spTree>
-    <p:extLst>
-      <p:ext uri="{BB962C8B-B14F-4D97-AF65-F5344CB8AC3E}">
-        <p14:creationId xmlns:p14="http://schemas.microsoft.com/office/powerpoint/2010/main" val="1863008630"/>
-      </p:ext>
-    </p:extLst>
-  </p:cSld>
-  <p:clrMapOvr>
-    <a:masterClrMapping/>
-  </p:clrMapOvr>
-</p:sld>
-</file>
-
 <file path=ppt/slides/slide2.xml><?xml version="1.0" encoding="utf-8"?>
 <p:sld xmlns:a="http://schemas.openxmlformats.org/drawingml/2006/main" xmlns:r="http://schemas.openxmlformats.org/officeDocument/2006/relationships" xmlns:p="http://schemas.openxmlformats.org/presentationml/2006/main">
   <p:cSld>
@@ -5812,7 +6097,7 @@
           <p:cNvPr id="2" name="Title 1">
             <a:extLst>
               <a:ext uri="{FF2B5EF4-FFF2-40B4-BE49-F238E27FC236}">
-                <a16:creationId xmlns:a16="http://schemas.microsoft.com/office/drawing/2014/main" id="{17D2A407-E9CF-4C61-B5DC-37996D4D0179}"/>
+                <a16:creationId xmlns:a16="http://schemas.microsoft.com/office/drawing/2014/main" id="{8F8AEC9F-1E6F-4091-8706-33A8780D04C7}"/>
               </a:ext>
             </a:extLst>
           </p:cNvPr>
@@ -5825,47 +6110,20 @@
         </p:nvSpPr>
         <p:spPr/>
         <p:txBody>
-          <a:bodyPr>
-            <a:normAutofit/>
-          </a:bodyPr>
-          <a:lstStyle/>
-          <a:p>
-            <a:r>
-              <a:rPr lang="en-US" dirty="0"/>
-              <a:t>Demo for Publish/Subscribe</a:t>
-            </a:r>
-          </a:p>
-        </p:txBody>
-      </p:sp>
-      <p:sp>
-        <p:nvSpPr>
-          <p:cNvPr id="3" name="Content Placeholder 2">
-            <a:extLst>
-              <a:ext uri="{FF2B5EF4-FFF2-40B4-BE49-F238E27FC236}">
-                <a16:creationId xmlns:a16="http://schemas.microsoft.com/office/drawing/2014/main" id="{9BC4957A-78B2-48BA-ADF8-7D9821A3304F}"/>
-              </a:ext>
-            </a:extLst>
-          </p:cNvPr>
-          <p:cNvSpPr>
-            <a:spLocks noGrp="1"/>
-          </p:cNvSpPr>
-          <p:nvPr>
-            <p:ph idx="1"/>
-          </p:nvPr>
-        </p:nvSpPr>
-        <p:spPr/>
-        <p:txBody>
           <a:bodyPr/>
           <a:lstStyle/>
           <a:p>
-            <a:endParaRPr lang="en-US" dirty="0"/>
+            <a:r>
+              <a:rPr lang="en-US" dirty="0"/>
+              <a:t>Demo for Client Server Pattern</a:t>
+            </a:r>
           </a:p>
         </p:txBody>
       </p:sp>
     </p:spTree>
     <p:extLst>
       <p:ext uri="{BB962C8B-B14F-4D97-AF65-F5344CB8AC3E}">
-        <p14:creationId xmlns:p14="http://schemas.microsoft.com/office/powerpoint/2010/main" val="1727962992"/>
+        <p14:creationId xmlns:p14="http://schemas.microsoft.com/office/powerpoint/2010/main" val="1863008630"/>
       </p:ext>
     </p:extLst>
   </p:cSld>
@@ -5897,7 +6155,7 @@
           <p:cNvPr id="2" name="Title 1">
             <a:extLst>
               <a:ext uri="{FF2B5EF4-FFF2-40B4-BE49-F238E27FC236}">
-                <a16:creationId xmlns:a16="http://schemas.microsoft.com/office/drawing/2014/main" id="{8ED7575B-A5D2-499F-BF0C-3FC854A72560}"/>
+                <a16:creationId xmlns:a16="http://schemas.microsoft.com/office/drawing/2014/main" id="{17D2A407-E9CF-4C61-B5DC-37996D4D0179}"/>
               </a:ext>
             </a:extLst>
           </p:cNvPr>
@@ -5911,46 +6169,21 @@
         <p:spPr/>
         <p:txBody>
           <a:bodyPr>
-            <a:normAutofit fontScale="90000"/>
+            <a:normAutofit/>
           </a:bodyPr>
           <a:lstStyle/>
           <a:p>
             <a:r>
               <a:rPr lang="en-US" dirty="0"/>
-              <a:t>Demo for Persistent Message Queue</a:t>
-            </a:r>
-          </a:p>
-        </p:txBody>
-      </p:sp>
-      <p:sp>
-        <p:nvSpPr>
-          <p:cNvPr id="3" name="Content Placeholder 2">
-            <a:extLst>
-              <a:ext uri="{FF2B5EF4-FFF2-40B4-BE49-F238E27FC236}">
-                <a16:creationId xmlns:a16="http://schemas.microsoft.com/office/drawing/2014/main" id="{6BEA86E3-0BE6-41DE-BA7A-619673A02A10}"/>
-              </a:ext>
-            </a:extLst>
-          </p:cNvPr>
-          <p:cNvSpPr>
-            <a:spLocks noGrp="1"/>
-          </p:cNvSpPr>
-          <p:nvPr>
-            <p:ph idx="1"/>
-          </p:nvPr>
-        </p:nvSpPr>
-        <p:spPr/>
-        <p:txBody>
-          <a:bodyPr/>
-          <a:lstStyle/>
-          <a:p>
-            <a:endParaRPr lang="en-US" dirty="0"/>
+              <a:t>Demo for Publish/Subscribe</a:t>
+            </a:r>
           </a:p>
         </p:txBody>
       </p:sp>
     </p:spTree>
     <p:extLst>
       <p:ext uri="{BB962C8B-B14F-4D97-AF65-F5344CB8AC3E}">
-        <p14:creationId xmlns:p14="http://schemas.microsoft.com/office/powerpoint/2010/main" val="570281851"/>
+        <p14:creationId xmlns:p14="http://schemas.microsoft.com/office/powerpoint/2010/main" val="1727962992"/>
       </p:ext>
     </p:extLst>
   </p:cSld>
@@ -5982,7 +6215,7 @@
           <p:cNvPr id="2" name="Title 1">
             <a:extLst>
               <a:ext uri="{FF2B5EF4-FFF2-40B4-BE49-F238E27FC236}">
-                <a16:creationId xmlns:a16="http://schemas.microsoft.com/office/drawing/2014/main" id="{ADBC792B-D0E6-4C55-ACCE-77A79238E005}"/>
+                <a16:creationId xmlns:a16="http://schemas.microsoft.com/office/drawing/2014/main" id="{8ED7575B-A5D2-499F-BF0C-3FC854A72560}"/>
               </a:ext>
             </a:extLst>
           </p:cNvPr>
@@ -5995,104 +6228,14 @@
         </p:nvSpPr>
         <p:spPr/>
         <p:txBody>
-          <a:bodyPr/>
+          <a:bodyPr>
+            <a:normAutofit fontScale="90000"/>
+          </a:bodyPr>
           <a:lstStyle/>
           <a:p>
             <a:r>
               <a:rPr lang="en-US" dirty="0"/>
-              <a:t>Demo for SQL-streaming</a:t>
-            </a:r>
-          </a:p>
-        </p:txBody>
-      </p:sp>
-      <p:sp>
-        <p:nvSpPr>
-          <p:cNvPr id="3" name="Content Placeholder 2">
-            <a:extLst>
-              <a:ext uri="{FF2B5EF4-FFF2-40B4-BE49-F238E27FC236}">
-                <a16:creationId xmlns:a16="http://schemas.microsoft.com/office/drawing/2014/main" id="{7710B22C-FF80-442B-8343-14C5CAE5A54D}"/>
-              </a:ext>
-            </a:extLst>
-          </p:cNvPr>
-          <p:cNvSpPr>
-            <a:spLocks noGrp="1"/>
-          </p:cNvSpPr>
-          <p:nvPr>
-            <p:ph idx="1"/>
-          </p:nvPr>
-        </p:nvSpPr>
-        <p:spPr/>
-        <p:txBody>
-          <a:bodyPr/>
-          <a:lstStyle/>
-          <a:p>
-            <a:r>
-              <a:rPr lang="en-US" dirty="0"/>
-              <a:t>SQLite + cache</a:t>
-            </a:r>
-          </a:p>
-          <a:p>
-            <a:r>
-              <a:rPr lang="en-US" dirty="0"/>
-              <a:t>MySQL/</a:t>
-            </a:r>
-            <a:r>
-              <a:rPr lang="en-US" dirty="0" err="1"/>
-              <a:t>Mariadb</a:t>
-            </a:r>
-            <a:r>
-              <a:rPr lang="en-US" dirty="0"/>
-              <a:t> + Cache</a:t>
-            </a:r>
-          </a:p>
-          <a:p>
-            <a:r>
-              <a:rPr lang="en-US" dirty="0"/>
-              <a:t>MS SQL Server + Cache</a:t>
-            </a:r>
-          </a:p>
-          <a:p>
-            <a:r>
-              <a:rPr lang="en-US" dirty="0"/>
-              <a:t>ODBC for Any Databases</a:t>
-            </a:r>
-          </a:p>
-          <a:p>
-            <a:r>
-              <a:rPr lang="en-US" i="1" dirty="0" err="1">
-                <a:solidFill>
-                  <a:srgbClr val="0000FF"/>
-                </a:solidFill>
-              </a:rPr>
-              <a:t>Postgresql</a:t>
-            </a:r>
-            <a:r>
-              <a:rPr lang="en-US" i="1" dirty="0">
-                <a:solidFill>
-                  <a:srgbClr val="0000FF"/>
-                </a:solidFill>
-              </a:rPr>
-              <a:t> + Cache in the Future</a:t>
-            </a:r>
-          </a:p>
-          <a:p>
-            <a:r>
-              <a:rPr lang="en-US" i="1" dirty="0">
-                <a:solidFill>
-                  <a:srgbClr val="0000FF"/>
-                </a:solidFill>
-              </a:rPr>
-              <a:t>DB2 + Cache in the Future</a:t>
-            </a:r>
-          </a:p>
-          <a:p>
-            <a:r>
-              <a:rPr lang="en-US" i="1" dirty="0">
-                <a:solidFill>
-                  <a:srgbClr val="0000FF"/>
-                </a:solidFill>
-              </a:rPr>
-              <a:t>Oracle + Cache in the Future</a:t>
+              <a:t>Demo for Persistent Message Queue</a:t>
             </a:r>
           </a:p>
         </p:txBody>
@@ -6100,7 +6243,7 @@
     </p:spTree>
     <p:extLst>
       <p:ext uri="{BB962C8B-B14F-4D97-AF65-F5344CB8AC3E}">
-        <p14:creationId xmlns:p14="http://schemas.microsoft.com/office/powerpoint/2010/main" val="3141169933"/>
+        <p14:creationId xmlns:p14="http://schemas.microsoft.com/office/powerpoint/2010/main" val="570281851"/>
       </p:ext>
     </p:extLst>
   </p:cSld>
@@ -6132,7 +6275,7 @@
           <p:cNvPr id="2" name="Title 1">
             <a:extLst>
               <a:ext uri="{FF2B5EF4-FFF2-40B4-BE49-F238E27FC236}">
-                <a16:creationId xmlns:a16="http://schemas.microsoft.com/office/drawing/2014/main" id="{748B1397-CDBF-4D11-BBD7-AAB0C8FAE523}"/>
+                <a16:creationId xmlns:a16="http://schemas.microsoft.com/office/drawing/2014/main" id="{ADBC792B-D0E6-4C55-ACCE-77A79238E005}"/>
               </a:ext>
             </a:extLst>
           </p:cNvPr>
@@ -6150,7 +6293,7 @@
           <a:p>
             <a:r>
               <a:rPr lang="en-US" dirty="0"/>
-              <a:t>Demo For Master-Slave + Cache</a:t>
+              <a:t>Demo for SQL-streaming</a:t>
             </a:r>
           </a:p>
         </p:txBody>
@@ -6160,7 +6303,7 @@
           <p:cNvPr id="3" name="Content Placeholder 2">
             <a:extLst>
               <a:ext uri="{FF2B5EF4-FFF2-40B4-BE49-F238E27FC236}">
-                <a16:creationId xmlns:a16="http://schemas.microsoft.com/office/drawing/2014/main" id="{48F037D3-46E2-435C-9248-5A0390125D84}"/>
+                <a16:creationId xmlns:a16="http://schemas.microsoft.com/office/drawing/2014/main" id="{7710B22C-FF80-442B-8343-14C5CAE5A54D}"/>
               </a:ext>
             </a:extLst>
           </p:cNvPr>
@@ -6176,14 +6319,81 @@
           <a:bodyPr/>
           <a:lstStyle/>
           <a:p>
-            <a:endParaRPr lang="en-US" dirty="0"/>
+            <a:r>
+              <a:rPr lang="en-US" dirty="0"/>
+              <a:t>SQLite + cache</a:t>
+            </a:r>
+          </a:p>
+          <a:p>
+            <a:r>
+              <a:rPr lang="en-US" dirty="0"/>
+              <a:t>MySQL/</a:t>
+            </a:r>
+            <a:r>
+              <a:rPr lang="en-US" dirty="0" err="1"/>
+              <a:t>Mariadb</a:t>
+            </a:r>
+            <a:r>
+              <a:rPr lang="en-US" dirty="0"/>
+              <a:t> + Cache</a:t>
+            </a:r>
+          </a:p>
+          <a:p>
+            <a:r>
+              <a:rPr lang="en-US" dirty="0"/>
+              <a:t>MS SQL Server + Cache</a:t>
+            </a:r>
+          </a:p>
+          <a:p>
+            <a:r>
+              <a:rPr lang="en-US" dirty="0"/>
+              <a:t>ODBC for Any Databases</a:t>
+            </a:r>
+          </a:p>
+          <a:p>
+            <a:r>
+              <a:rPr lang="en-US" i="1" dirty="0" err="1">
+                <a:solidFill>
+                  <a:srgbClr val="0000FF"/>
+                </a:solidFill>
+              </a:rPr>
+              <a:t>Postgresql</a:t>
+            </a:r>
+            <a:r>
+              <a:rPr lang="en-US" i="1" dirty="0">
+                <a:solidFill>
+                  <a:srgbClr val="0000FF"/>
+                </a:solidFill>
+              </a:rPr>
+              <a:t> + Cache in the Future</a:t>
+            </a:r>
+          </a:p>
+          <a:p>
+            <a:r>
+              <a:rPr lang="en-US" i="1" dirty="0">
+                <a:solidFill>
+                  <a:srgbClr val="0000FF"/>
+                </a:solidFill>
+              </a:rPr>
+              <a:t>DB2 + Cache in the Future</a:t>
+            </a:r>
+          </a:p>
+          <a:p>
+            <a:r>
+              <a:rPr lang="en-US" i="1" dirty="0">
+                <a:solidFill>
+                  <a:srgbClr val="0000FF"/>
+                </a:solidFill>
+              </a:rPr>
+              <a:t>Oracle + Cache in the Future</a:t>
+            </a:r>
           </a:p>
         </p:txBody>
       </p:sp>
     </p:spTree>
     <p:extLst>
       <p:ext uri="{BB962C8B-B14F-4D97-AF65-F5344CB8AC3E}">
-        <p14:creationId xmlns:p14="http://schemas.microsoft.com/office/powerpoint/2010/main" val="2468328711"/>
+        <p14:creationId xmlns:p14="http://schemas.microsoft.com/office/powerpoint/2010/main" val="3141169933"/>
       </p:ext>
     </p:extLst>
   </p:cSld>
@@ -6215,7 +6425,7 @@
           <p:cNvPr id="2" name="Title 1">
             <a:extLst>
               <a:ext uri="{FF2B5EF4-FFF2-40B4-BE49-F238E27FC236}">
-                <a16:creationId xmlns:a16="http://schemas.microsoft.com/office/drawing/2014/main" id="{0BAC9361-8876-4112-9636-A9E612C0557E}"/>
+                <a16:creationId xmlns:a16="http://schemas.microsoft.com/office/drawing/2014/main" id="{37CD694A-3D6D-4C4A-935E-3CC2B32157A9}"/>
               </a:ext>
             </a:extLst>
           </p:cNvPr>
@@ -6233,40 +6443,15 @@
           <a:p>
             <a:r>
               <a:rPr lang="en-US" dirty="0"/>
-              <a:t>Demo For File Streaming</a:t>
-            </a:r>
-          </a:p>
-        </p:txBody>
-      </p:sp>
-      <p:sp>
-        <p:nvSpPr>
-          <p:cNvPr id="3" name="Content Placeholder 2">
-            <a:extLst>
-              <a:ext uri="{FF2B5EF4-FFF2-40B4-BE49-F238E27FC236}">
-                <a16:creationId xmlns:a16="http://schemas.microsoft.com/office/drawing/2014/main" id="{9C425387-A806-4561-A337-DCFD315C3B34}"/>
-              </a:ext>
-            </a:extLst>
-          </p:cNvPr>
-          <p:cNvSpPr>
-            <a:spLocks noGrp="1"/>
-          </p:cNvSpPr>
-          <p:nvPr>
-            <p:ph idx="1"/>
-          </p:nvPr>
-        </p:nvSpPr>
-        <p:spPr/>
-        <p:txBody>
-          <a:bodyPr/>
-          <a:lstStyle/>
-          <a:p>
-            <a:endParaRPr lang="en-US"/>
+              <a:t>SQL-Streaming Performance Study</a:t>
+            </a:r>
           </a:p>
         </p:txBody>
       </p:sp>
     </p:spTree>
     <p:extLst>
       <p:ext uri="{BB962C8B-B14F-4D97-AF65-F5344CB8AC3E}">
-        <p14:creationId xmlns:p14="http://schemas.microsoft.com/office/powerpoint/2010/main" val="4059288408"/>
+        <p14:creationId xmlns:p14="http://schemas.microsoft.com/office/powerpoint/2010/main" val="3975797359"/>
       </p:ext>
     </p:extLst>
   </p:cSld>
@@ -6298,7 +6483,7 @@
           <p:cNvPr id="2" name="Title 1">
             <a:extLst>
               <a:ext uri="{FF2B5EF4-FFF2-40B4-BE49-F238E27FC236}">
-                <a16:creationId xmlns:a16="http://schemas.microsoft.com/office/drawing/2014/main" id="{C30B2905-958E-479D-BE46-B31726F1FB60}"/>
+                <a16:creationId xmlns:a16="http://schemas.microsoft.com/office/drawing/2014/main" id="{748B1397-CDBF-4D11-BBD7-AAB0C8FAE523}"/>
               </a:ext>
             </a:extLst>
           </p:cNvPr>
@@ -6311,22 +6496,12 @@
         </p:nvSpPr>
         <p:spPr/>
         <p:txBody>
-          <a:bodyPr>
-            <a:normAutofit fontScale="90000"/>
-          </a:bodyPr>
+          <a:bodyPr/>
           <a:lstStyle/>
           <a:p>
             <a:r>
               <a:rPr lang="en-US" dirty="0"/>
-              <a:t>Analysis of (nja.js + </a:t>
-            </a:r>
-            <a:r>
-              <a:rPr lang="en-US" dirty="0" err="1"/>
-              <a:t>njadapter.node</a:t>
-            </a:r>
-            <a:r>
-              <a:rPr lang="en-US" dirty="0"/>
-              <a:t>)</a:t>
+              <a:t>Demo For Master/Slave + Cache</a:t>
             </a:r>
           </a:p>
         </p:txBody>
@@ -6334,7 +6509,7 @@
     </p:spTree>
     <p:extLst>
       <p:ext uri="{BB962C8B-B14F-4D97-AF65-F5344CB8AC3E}">
-        <p14:creationId xmlns:p14="http://schemas.microsoft.com/office/powerpoint/2010/main" val="739759201"/>
+        <p14:creationId xmlns:p14="http://schemas.microsoft.com/office/powerpoint/2010/main" val="2468328711"/>
       </p:ext>
     </p:extLst>
   </p:cSld>
@@ -6363,6 +6538,132 @@
       </p:grpSpPr>
       <p:sp>
         <p:nvSpPr>
+          <p:cNvPr id="2" name="Title 1">
+            <a:extLst>
+              <a:ext uri="{FF2B5EF4-FFF2-40B4-BE49-F238E27FC236}">
+                <a16:creationId xmlns:a16="http://schemas.microsoft.com/office/drawing/2014/main" id="{0BAC9361-8876-4112-9636-A9E612C0557E}"/>
+              </a:ext>
+            </a:extLst>
+          </p:cNvPr>
+          <p:cNvSpPr>
+            <a:spLocks noGrp="1"/>
+          </p:cNvSpPr>
+          <p:nvPr>
+            <p:ph type="title"/>
+          </p:nvPr>
+        </p:nvSpPr>
+        <p:spPr/>
+        <p:txBody>
+          <a:bodyPr/>
+          <a:lstStyle/>
+          <a:p>
+            <a:r>
+              <a:rPr lang="en-US" dirty="0"/>
+              <a:t>Demo For File Streaming</a:t>
+            </a:r>
+          </a:p>
+        </p:txBody>
+      </p:sp>
+    </p:spTree>
+    <p:extLst>
+      <p:ext uri="{BB962C8B-B14F-4D97-AF65-F5344CB8AC3E}">
+        <p14:creationId xmlns:p14="http://schemas.microsoft.com/office/powerpoint/2010/main" val="4059288408"/>
+      </p:ext>
+    </p:extLst>
+  </p:cSld>
+  <p:clrMapOvr>
+    <a:masterClrMapping/>
+  </p:clrMapOvr>
+</p:sld>
+</file>
+
+<file path=ppt/slides/slide27.xml><?xml version="1.0" encoding="utf-8"?>
+<p:sld xmlns:a="http://schemas.openxmlformats.org/drawingml/2006/main" xmlns:r="http://schemas.openxmlformats.org/officeDocument/2006/relationships" xmlns:p="http://schemas.openxmlformats.org/presentationml/2006/main">
+  <p:cSld>
+    <p:spTree>
+      <p:nvGrpSpPr>
+        <p:cNvPr id="1" name=""/>
+        <p:cNvGrpSpPr/>
+        <p:nvPr/>
+      </p:nvGrpSpPr>
+      <p:grpSpPr>
+        <a:xfrm>
+          <a:off x="0" y="0"/>
+          <a:ext cx="0" cy="0"/>
+          <a:chOff x="0" y="0"/>
+          <a:chExt cx="0" cy="0"/>
+        </a:xfrm>
+      </p:grpSpPr>
+      <p:sp>
+        <p:nvSpPr>
+          <p:cNvPr id="2" name="Title 1">
+            <a:extLst>
+              <a:ext uri="{FF2B5EF4-FFF2-40B4-BE49-F238E27FC236}">
+                <a16:creationId xmlns:a16="http://schemas.microsoft.com/office/drawing/2014/main" id="{C30B2905-958E-479D-BE46-B31726F1FB60}"/>
+              </a:ext>
+            </a:extLst>
+          </p:cNvPr>
+          <p:cNvSpPr>
+            <a:spLocks noGrp="1"/>
+          </p:cNvSpPr>
+          <p:nvPr>
+            <p:ph type="title"/>
+          </p:nvPr>
+        </p:nvSpPr>
+        <p:spPr/>
+        <p:txBody>
+          <a:bodyPr>
+            <a:normAutofit fontScale="90000"/>
+          </a:bodyPr>
+          <a:lstStyle/>
+          <a:p>
+            <a:r>
+              <a:rPr lang="en-US" dirty="0"/>
+              <a:t>Analysis of (nja.js + </a:t>
+            </a:r>
+            <a:r>
+              <a:rPr lang="en-US" dirty="0" err="1"/>
+              <a:t>njadapter.node</a:t>
+            </a:r>
+            <a:r>
+              <a:rPr lang="en-US" dirty="0"/>
+              <a:t>)</a:t>
+            </a:r>
+          </a:p>
+        </p:txBody>
+      </p:sp>
+    </p:spTree>
+    <p:extLst>
+      <p:ext uri="{BB962C8B-B14F-4D97-AF65-F5344CB8AC3E}">
+        <p14:creationId xmlns:p14="http://schemas.microsoft.com/office/powerpoint/2010/main" val="739759201"/>
+      </p:ext>
+    </p:extLst>
+  </p:cSld>
+  <p:clrMapOvr>
+    <a:masterClrMapping/>
+  </p:clrMapOvr>
+</p:sld>
+</file>
+
+<file path=ppt/slides/slide28.xml><?xml version="1.0" encoding="utf-8"?>
+<p:sld xmlns:a="http://schemas.openxmlformats.org/drawingml/2006/main" xmlns:r="http://schemas.openxmlformats.org/officeDocument/2006/relationships" xmlns:p="http://schemas.openxmlformats.org/presentationml/2006/main">
+  <p:cSld>
+    <p:spTree>
+      <p:nvGrpSpPr>
+        <p:cNvPr id="1" name=""/>
+        <p:cNvGrpSpPr/>
+        <p:nvPr/>
+      </p:nvGrpSpPr>
+      <p:grpSpPr>
+        <a:xfrm>
+          <a:off x="0" y="0"/>
+          <a:ext cx="0" cy="0"/>
+          <a:chOff x="0" y="0"/>
+          <a:chExt cx="0" cy="0"/>
+        </a:xfrm>
+      </p:grpSpPr>
+      <p:sp>
+        <p:nvSpPr>
           <p:cNvPr id="2" name="Title 1"/>
           <p:cNvSpPr>
             <a:spLocks noGrp="1"/>
@@ -6399,6 +6700,194 @@
 </file>
 
 <file path=ppt/slides/slide3.xml><?xml version="1.0" encoding="utf-8"?>
+<p:sld xmlns:a="http://schemas.openxmlformats.org/drawingml/2006/main" xmlns:r="http://schemas.openxmlformats.org/officeDocument/2006/relationships" xmlns:p="http://schemas.openxmlformats.org/presentationml/2006/main">
+  <p:cSld>
+    <p:spTree>
+      <p:nvGrpSpPr>
+        <p:cNvPr id="1" name=""/>
+        <p:cNvGrpSpPr/>
+        <p:nvPr/>
+      </p:nvGrpSpPr>
+      <p:grpSpPr>
+        <a:xfrm>
+          <a:off x="0" y="0"/>
+          <a:ext cx="0" cy="0"/>
+          <a:chOff x="0" y="0"/>
+          <a:chExt cx="0" cy="0"/>
+        </a:xfrm>
+      </p:grpSpPr>
+      <p:sp>
+        <p:nvSpPr>
+          <p:cNvPr id="2" name="Title 1">
+            <a:extLst>
+              <a:ext uri="{FF2B5EF4-FFF2-40B4-BE49-F238E27FC236}">
+                <a16:creationId xmlns:a16="http://schemas.microsoft.com/office/drawing/2014/main" id="{A4472B37-453E-47CC-99D5-B00BC5BF0D5B}"/>
+              </a:ext>
+            </a:extLst>
+          </p:cNvPr>
+          <p:cNvSpPr>
+            <a:spLocks noGrp="1"/>
+          </p:cNvSpPr>
+          <p:nvPr>
+            <p:ph type="title"/>
+          </p:nvPr>
+        </p:nvSpPr>
+        <p:spPr>
+          <a:xfrm>
+            <a:off x="457200" y="274638"/>
+            <a:ext cx="8229600" cy="868362"/>
+          </a:xfrm>
+        </p:spPr>
+        <p:txBody>
+          <a:bodyPr/>
+          <a:lstStyle/>
+          <a:p>
+            <a:r>
+              <a:rPr lang="en-US" dirty="0"/>
+              <a:t>Contents</a:t>
+            </a:r>
+          </a:p>
+        </p:txBody>
+      </p:sp>
+      <p:sp>
+        <p:nvSpPr>
+          <p:cNvPr id="3" name="Content Placeholder 2">
+            <a:extLst>
+              <a:ext uri="{FF2B5EF4-FFF2-40B4-BE49-F238E27FC236}">
+                <a16:creationId xmlns:a16="http://schemas.microsoft.com/office/drawing/2014/main" id="{D67E0C64-D722-476C-B432-4C0B57A0A51A}"/>
+              </a:ext>
+            </a:extLst>
+          </p:cNvPr>
+          <p:cNvSpPr>
+            <a:spLocks noGrp="1"/>
+          </p:cNvSpPr>
+          <p:nvPr>
+            <p:ph idx="1"/>
+          </p:nvPr>
+        </p:nvSpPr>
+        <p:spPr>
+          <a:xfrm>
+            <a:off x="533400" y="1295400"/>
+            <a:ext cx="8153400" cy="4953000"/>
+          </a:xfrm>
+        </p:spPr>
+        <p:txBody>
+          <a:bodyPr>
+            <a:normAutofit fontScale="92500" lnSpcReduction="20000"/>
+          </a:bodyPr>
+          <a:lstStyle/>
+          <a:p>
+            <a:r>
+              <a:rPr lang="en-US" dirty="0"/>
+              <a:t>Request Streaming Communication Pattern</a:t>
+            </a:r>
+          </a:p>
+          <a:p>
+            <a:r>
+              <a:rPr lang="en-US" dirty="0" err="1"/>
+              <a:t>SocketPro</a:t>
+            </a:r>
+            <a:r>
+              <a:rPr lang="en-US" dirty="0"/>
+              <a:t> Architecture and Components</a:t>
+            </a:r>
+          </a:p>
+          <a:p>
+            <a:r>
+              <a:rPr lang="en-US" dirty="0" err="1"/>
+              <a:t>SocketPro</a:t>
+            </a:r>
+            <a:r>
+              <a:rPr lang="en-US" dirty="0"/>
+              <a:t> Key Features</a:t>
+            </a:r>
+          </a:p>
+          <a:p>
+            <a:r>
+              <a:rPr lang="en-US" dirty="0"/>
+              <a:t>Node.js Demos</a:t>
+            </a:r>
+          </a:p>
+          <a:p>
+            <a:pPr lvl="1"/>
+            <a:r>
+              <a:rPr lang="en-US" dirty="0"/>
+              <a:t>Client/server</a:t>
+            </a:r>
+          </a:p>
+          <a:p>
+            <a:pPr lvl="1"/>
+            <a:r>
+              <a:rPr lang="en-US" dirty="0"/>
+              <a:t>Publish/subscribe</a:t>
+            </a:r>
+          </a:p>
+          <a:p>
+            <a:pPr lvl="1"/>
+            <a:r>
+              <a:rPr lang="en-US" dirty="0"/>
+              <a:t>Persistent message queue</a:t>
+            </a:r>
+          </a:p>
+          <a:p>
+            <a:pPr lvl="1"/>
+            <a:r>
+              <a:rPr lang="en-US" dirty="0"/>
+              <a:t>SQL-streaming</a:t>
+            </a:r>
+          </a:p>
+          <a:p>
+            <a:pPr lvl="1"/>
+            <a:r>
+              <a:rPr lang="en-US" dirty="0"/>
+              <a:t>Master-slave with real-time updateable cache</a:t>
+            </a:r>
+          </a:p>
+          <a:p>
+            <a:pPr lvl="1"/>
+            <a:r>
+              <a:rPr lang="en-US" dirty="0"/>
+              <a:t>File streaming</a:t>
+            </a:r>
+          </a:p>
+          <a:p>
+            <a:r>
+              <a:rPr lang="en-US" dirty="0"/>
+              <a:t>Analysis on nja.js + </a:t>
+            </a:r>
+            <a:r>
+              <a:rPr lang="en-US" dirty="0" err="1"/>
+              <a:t>njadapter.node</a:t>
+            </a:r>
+            <a:endParaRPr lang="en-US" dirty="0"/>
+          </a:p>
+          <a:p>
+            <a:pPr lvl="1"/>
+            <a:endParaRPr lang="en-US" dirty="0"/>
+          </a:p>
+          <a:p>
+            <a:pPr lvl="1"/>
+            <a:endParaRPr lang="en-US" dirty="0"/>
+          </a:p>
+          <a:p>
+            <a:endParaRPr lang="en-US" dirty="0"/>
+          </a:p>
+        </p:txBody>
+      </p:sp>
+    </p:spTree>
+    <p:extLst>
+      <p:ext uri="{BB962C8B-B14F-4D97-AF65-F5344CB8AC3E}">
+        <p14:creationId xmlns:p14="http://schemas.microsoft.com/office/powerpoint/2010/main" val="1668077575"/>
+      </p:ext>
+    </p:extLst>
+  </p:cSld>
+  <p:clrMapOvr>
+    <a:masterClrMapping/>
+  </p:clrMapOvr>
+</p:sld>
+</file>
+
+<file path=ppt/slides/slide4.xml><?xml version="1.0" encoding="utf-8"?>
 <p:sld xmlns:a="http://schemas.openxmlformats.org/drawingml/2006/main" xmlns:r="http://schemas.openxmlformats.org/officeDocument/2006/relationships" xmlns:p="http://schemas.openxmlformats.org/presentationml/2006/main">
   <p:cSld>
     <p:spTree>
@@ -6484,7 +6973,7 @@
 </p:sld>
 </file>
 
-<file path=ppt/slides/slide4.xml><?xml version="1.0" encoding="utf-8"?>
+<file path=ppt/slides/slide5.xml><?xml version="1.0" encoding="utf-8"?>
 <p:sld xmlns:a="http://schemas.openxmlformats.org/drawingml/2006/main" xmlns:r="http://schemas.openxmlformats.org/officeDocument/2006/relationships" xmlns:p="http://schemas.openxmlformats.org/presentationml/2006/main">
   <p:cSld>
     <p:spTree>
@@ -8106,7 +8595,7 @@
 </p:sld>
 </file>
 
-<file path=ppt/slides/slide5.xml><?xml version="1.0" encoding="utf-8"?>
+<file path=ppt/slides/slide6.xml><?xml version="1.0" encoding="utf-8"?>
 <p:sld xmlns:a="http://schemas.openxmlformats.org/drawingml/2006/main" xmlns:r="http://schemas.openxmlformats.org/officeDocument/2006/relationships" xmlns:p="http://schemas.openxmlformats.org/presentationml/2006/main">
   <p:cSld>
     <p:spTree>
@@ -8237,7 +8726,7 @@
 </p:sld>
 </file>
 
-<file path=ppt/slides/slide6.xml><?xml version="1.0" encoding="utf-8"?>
+<file path=ppt/slides/slide7.xml><?xml version="1.0" encoding="utf-8"?>
 <p:sld xmlns:a="http://schemas.openxmlformats.org/drawingml/2006/main" xmlns:r="http://schemas.openxmlformats.org/officeDocument/2006/relationships" xmlns:p="http://schemas.openxmlformats.org/presentationml/2006/main">
   <p:cSld>
     <p:spTree>
@@ -8464,7 +8953,7 @@
 </p:sld>
 </file>
 
-<file path=ppt/slides/slide7.xml><?xml version="1.0" encoding="utf-8"?>
+<file path=ppt/slides/slide8.xml><?xml version="1.0" encoding="utf-8"?>
 <p:sld xmlns:a="http://schemas.openxmlformats.org/drawingml/2006/main" xmlns:r="http://schemas.openxmlformats.org/officeDocument/2006/relationships" xmlns:p="http://schemas.openxmlformats.org/presentationml/2006/main">
   <p:cSld>
     <p:spTree>
@@ -8567,7 +9056,7 @@
 </p:sld>
 </file>
 
-<file path=ppt/slides/slide8.xml><?xml version="1.0" encoding="utf-8"?>
+<file path=ppt/slides/slide9.xml><?xml version="1.0" encoding="utf-8"?>
 <p:sld xmlns:a="http://schemas.openxmlformats.org/drawingml/2006/main" xmlns:r="http://schemas.openxmlformats.org/officeDocument/2006/relationships" xmlns:p="http://schemas.openxmlformats.org/presentationml/2006/main">
   <p:cSld>
     <p:spTree>
@@ -8671,377 +9160,6 @@
   <p:clrMapOvr>
     <a:masterClrMapping/>
   </p:clrMapOvr>
-</p:sld>
-</file>
-
-<file path=ppt/slides/slide9.xml><?xml version="1.0" encoding="utf-8"?>
-<p:sld xmlns:a="http://schemas.openxmlformats.org/drawingml/2006/main" xmlns:r="http://schemas.openxmlformats.org/officeDocument/2006/relationships" xmlns:p="http://schemas.openxmlformats.org/presentationml/2006/main">
-  <p:cSld>
-    <p:spTree>
-      <p:nvGrpSpPr>
-        <p:cNvPr id="1" name=""/>
-        <p:cNvGrpSpPr/>
-        <p:nvPr/>
-      </p:nvGrpSpPr>
-      <p:grpSpPr>
-        <a:xfrm>
-          <a:off x="0" y="0"/>
-          <a:ext cx="0" cy="0"/>
-          <a:chOff x="0" y="0"/>
-          <a:chExt cx="0" cy="0"/>
-        </a:xfrm>
-      </p:grpSpPr>
-      <p:sp>
-        <p:nvSpPr>
-          <p:cNvPr id="13314" name="Rectangle 1"/>
-          <p:cNvSpPr>
-            <a:spLocks noGrp="1" noChangeArrowheads="1"/>
-          </p:cNvSpPr>
-          <p:nvPr>
-            <p:ph type="title"/>
-          </p:nvPr>
-        </p:nvSpPr>
-        <p:spPr>
-          <a:xfrm>
-            <a:off x="457200" y="371475"/>
-            <a:ext cx="8229600" cy="1312863"/>
-          </a:xfrm>
-        </p:spPr>
-        <p:txBody>
-          <a:bodyPr/>
-          <a:lstStyle/>
-          <a:p>
-            <a:pPr eaLnBrk="1" hangingPunct="1">
-              <a:buClrTx/>
-              <a:buFontTx/>
-              <a:buNone/>
-              <a:tabLst>
-                <a:tab pos="0" algn="l"/>
-                <a:tab pos="914400" algn="l"/>
-                <a:tab pos="1828800" algn="l"/>
-                <a:tab pos="2743200" algn="l"/>
-                <a:tab pos="3657600" algn="l"/>
-                <a:tab pos="4572000" algn="l"/>
-                <a:tab pos="5486400" algn="l"/>
-                <a:tab pos="6400800" algn="l"/>
-                <a:tab pos="7315200" algn="l"/>
-                <a:tab pos="8229600" algn="l"/>
-                <a:tab pos="9144000" algn="l"/>
-                <a:tab pos="10058400" algn="l"/>
-              </a:tabLst>
-            </a:pPr>
-            <a:r>
-              <a:rPr lang="en-US" sz="4000" b="1" dirty="0" err="1"/>
-              <a:t>SocketPro</a:t>
-            </a:r>
-            <a:r>
-              <a:rPr lang="en-US" sz="4000" b="1" dirty="0"/>
-              <a:t> Adapters for More Developers</a:t>
-            </a:r>
-          </a:p>
-        </p:txBody>
-      </p:sp>
-      <p:sp>
-        <p:nvSpPr>
-          <p:cNvPr id="13315" name="Rectangle 2"/>
-          <p:cNvSpPr>
-            <a:spLocks noGrp="1" noChangeArrowheads="1"/>
-          </p:cNvSpPr>
-          <p:nvPr>
-            <p:ph type="body" idx="1"/>
-          </p:nvPr>
-        </p:nvSpPr>
-        <p:spPr>
-          <a:xfrm>
-            <a:off x="1143000" y="1881051"/>
-            <a:ext cx="7086600" cy="3681549"/>
-          </a:xfrm>
-        </p:spPr>
-        <p:txBody>
-          <a:bodyPr>
-            <a:normAutofit/>
-          </a:bodyPr>
-          <a:lstStyle/>
-          <a:p>
-            <a:pPr marL="341313" indent="-341313" eaLnBrk="1" hangingPunct="1">
-              <a:spcBef>
-                <a:spcPts val="600"/>
-              </a:spcBef>
-              <a:buClr>
-                <a:srgbClr val="000099"/>
-              </a:buClr>
-              <a:buFont typeface="Arial" charset="0"/>
-              <a:buChar char="•"/>
-              <a:tabLst>
-                <a:tab pos="911225" algn="l"/>
-                <a:tab pos="1825625" algn="l"/>
-                <a:tab pos="2740025" algn="l"/>
-                <a:tab pos="3654425" algn="l"/>
-                <a:tab pos="4568825" algn="l"/>
-                <a:tab pos="5483225" algn="l"/>
-                <a:tab pos="6397625" algn="l"/>
-                <a:tab pos="7312025" algn="l"/>
-                <a:tab pos="8226425" algn="l"/>
-                <a:tab pos="9140825" algn="l"/>
-                <a:tab pos="10055225" algn="l"/>
-              </a:tabLst>
-            </a:pPr>
-            <a:r>
-              <a:rPr lang="en-US" sz="2800" dirty="0">
-                <a:solidFill>
-                  <a:srgbClr val="000099"/>
-                </a:solidFill>
-              </a:rPr>
-              <a:t>C++ adapters – a few header and </a:t>
-            </a:r>
-            <a:r>
-              <a:rPr lang="en-US" sz="2800" dirty="0" err="1">
-                <a:solidFill>
-                  <a:srgbClr val="000099"/>
-                </a:solidFill>
-              </a:rPr>
-              <a:t>cpp</a:t>
-            </a:r>
-            <a:r>
-              <a:rPr lang="en-US" sz="2800" dirty="0">
-                <a:solidFill>
-                  <a:srgbClr val="000099"/>
-                </a:solidFill>
-              </a:rPr>
-              <a:t> files</a:t>
-            </a:r>
-          </a:p>
-          <a:p>
-            <a:pPr marL="341313" indent="-341313" eaLnBrk="1" hangingPunct="1">
-              <a:spcBef>
-                <a:spcPts val="600"/>
-              </a:spcBef>
-              <a:buClr>
-                <a:srgbClr val="000099"/>
-              </a:buClr>
-              <a:buFont typeface="Arial" charset="0"/>
-              <a:buChar char="•"/>
-              <a:tabLst>
-                <a:tab pos="911225" algn="l"/>
-                <a:tab pos="1825625" algn="l"/>
-                <a:tab pos="2740025" algn="l"/>
-                <a:tab pos="3654425" algn="l"/>
-                <a:tab pos="4568825" algn="l"/>
-                <a:tab pos="5483225" algn="l"/>
-                <a:tab pos="6397625" algn="l"/>
-                <a:tab pos="7312025" algn="l"/>
-                <a:tab pos="8226425" algn="l"/>
-                <a:tab pos="9140825" algn="l"/>
-                <a:tab pos="10055225" algn="l"/>
-              </a:tabLst>
-            </a:pPr>
-            <a:r>
-              <a:rPr lang="en-US" sz="2800" dirty="0">
-                <a:solidFill>
-                  <a:srgbClr val="000099"/>
-                </a:solidFill>
-              </a:rPr>
-              <a:t>One .NET adapter</a:t>
-            </a:r>
-          </a:p>
-          <a:p>
-            <a:pPr marL="341313" indent="-341313" eaLnBrk="1" hangingPunct="1">
-              <a:spcBef>
-                <a:spcPts val="600"/>
-              </a:spcBef>
-              <a:buClr>
-                <a:srgbClr val="000099"/>
-              </a:buClr>
-              <a:buFont typeface="Arial" charset="0"/>
-              <a:buChar char="•"/>
-              <a:tabLst>
-                <a:tab pos="911225" algn="l"/>
-                <a:tab pos="1825625" algn="l"/>
-                <a:tab pos="2740025" algn="l"/>
-                <a:tab pos="3654425" algn="l"/>
-                <a:tab pos="4568825" algn="l"/>
-                <a:tab pos="5483225" algn="l"/>
-                <a:tab pos="6397625" algn="l"/>
-                <a:tab pos="7312025" algn="l"/>
-                <a:tab pos="8226425" algn="l"/>
-                <a:tab pos="9140825" algn="l"/>
-                <a:tab pos="10055225" algn="l"/>
-              </a:tabLst>
-            </a:pPr>
-            <a:r>
-              <a:rPr lang="en-US" sz="2800" dirty="0">
-                <a:solidFill>
-                  <a:srgbClr val="000099"/>
-                </a:solidFill>
-              </a:rPr>
-              <a:t>Java adapter</a:t>
-            </a:r>
-          </a:p>
-          <a:p>
-            <a:pPr marL="341313" indent="-341313" eaLnBrk="1" hangingPunct="1">
-              <a:spcBef>
-                <a:spcPts val="600"/>
-              </a:spcBef>
-              <a:buClr>
-                <a:srgbClr val="000099"/>
-              </a:buClr>
-              <a:buFont typeface="Arial" charset="0"/>
-              <a:buChar char="•"/>
-              <a:tabLst>
-                <a:tab pos="911225" algn="l"/>
-                <a:tab pos="1825625" algn="l"/>
-                <a:tab pos="2740025" algn="l"/>
-                <a:tab pos="3654425" algn="l"/>
-                <a:tab pos="4568825" algn="l"/>
-                <a:tab pos="5483225" algn="l"/>
-                <a:tab pos="6397625" algn="l"/>
-                <a:tab pos="7312025" algn="l"/>
-                <a:tab pos="8226425" algn="l"/>
-                <a:tab pos="9140825" algn="l"/>
-                <a:tab pos="10055225" algn="l"/>
-              </a:tabLst>
-            </a:pPr>
-            <a:r>
-              <a:rPr lang="en-US" sz="2800" dirty="0">
-                <a:solidFill>
-                  <a:srgbClr val="000099"/>
-                </a:solidFill>
-              </a:rPr>
-              <a:t>Python adapter</a:t>
-            </a:r>
-          </a:p>
-          <a:p>
-            <a:pPr marL="341313" indent="-341313">
-              <a:spcBef>
-                <a:spcPts val="600"/>
-              </a:spcBef>
-              <a:buClr>
-                <a:srgbClr val="000099"/>
-              </a:buClr>
-              <a:buFont typeface="Arial" charset="0"/>
-              <a:buChar char="•"/>
-              <a:tabLst>
-                <a:tab pos="911225" algn="l"/>
-                <a:tab pos="1825625" algn="l"/>
-                <a:tab pos="2740025" algn="l"/>
-                <a:tab pos="3654425" algn="l"/>
-                <a:tab pos="4568825" algn="l"/>
-                <a:tab pos="5483225" algn="l"/>
-                <a:tab pos="6397625" algn="l"/>
-                <a:tab pos="7312025" algn="l"/>
-                <a:tab pos="8226425" algn="l"/>
-                <a:tab pos="9140825" algn="l"/>
-                <a:tab pos="10055225" algn="l"/>
-              </a:tabLst>
-            </a:pPr>
-            <a:r>
-              <a:rPr lang="en-US" sz="2800" dirty="0">
-                <a:solidFill>
-                  <a:srgbClr val="0000FF"/>
-                </a:solidFill>
-              </a:rPr>
-              <a:t>Node.js adapter</a:t>
-            </a:r>
-          </a:p>
-          <a:p>
-            <a:pPr marL="341313" indent="-341313" eaLnBrk="1" hangingPunct="1">
-              <a:spcBef>
-                <a:spcPts val="600"/>
-              </a:spcBef>
-              <a:buClr>
-                <a:srgbClr val="000099"/>
-              </a:buClr>
-              <a:buFont typeface="Arial" charset="0"/>
-              <a:buChar char="•"/>
-              <a:tabLst>
-                <a:tab pos="911225" algn="l"/>
-                <a:tab pos="1825625" algn="l"/>
-                <a:tab pos="2740025" algn="l"/>
-                <a:tab pos="3654425" algn="l"/>
-                <a:tab pos="4568825" algn="l"/>
-                <a:tab pos="5483225" algn="l"/>
-                <a:tab pos="6397625" algn="l"/>
-                <a:tab pos="7312025" algn="l"/>
-                <a:tab pos="8226425" algn="l"/>
-                <a:tab pos="9140825" algn="l"/>
-                <a:tab pos="10055225" algn="l"/>
-              </a:tabLst>
-            </a:pPr>
-            <a:r>
-              <a:rPr lang="en-US" sz="2800" dirty="0">
-                <a:solidFill>
-                  <a:srgbClr val="000099"/>
-                </a:solidFill>
-              </a:rPr>
-              <a:t>One JavaScript adapter for browsers</a:t>
-            </a:r>
-            <a:endParaRPr lang="en-US" sz="2800" dirty="0">
-              <a:solidFill>
-                <a:schemeClr val="accent2"/>
-              </a:solidFill>
-            </a:endParaRPr>
-          </a:p>
-          <a:p>
-            <a:pPr marL="341313" indent="-341313" eaLnBrk="1" hangingPunct="1">
-              <a:spcBef>
-                <a:spcPts val="600"/>
-              </a:spcBef>
-              <a:buFont typeface="Arial" charset="0"/>
-              <a:buChar char="•"/>
-              <a:tabLst>
-                <a:tab pos="911225" algn="l"/>
-                <a:tab pos="1825625" algn="l"/>
-                <a:tab pos="2740025" algn="l"/>
-                <a:tab pos="3654425" algn="l"/>
-                <a:tab pos="4568825" algn="l"/>
-                <a:tab pos="5483225" algn="l"/>
-                <a:tab pos="6397625" algn="l"/>
-                <a:tab pos="7312025" algn="l"/>
-                <a:tab pos="8226425" algn="l"/>
-                <a:tab pos="9140825" algn="l"/>
-                <a:tab pos="10055225" algn="l"/>
-              </a:tabLst>
-            </a:pPr>
-            <a:r>
-              <a:rPr lang="en-US" sz="2800" dirty="0"/>
-              <a:t>PHP adapter in the future</a:t>
-            </a:r>
-          </a:p>
-        </p:txBody>
-      </p:sp>
-    </p:spTree>
-  </p:cSld>
-  <p:clrMapOvr>
-    <a:masterClrMapping/>
-  </p:clrMapOvr>
-  <p:transition spd="med"/>
-  <p:timing>
-    <p:tnLst>
-      <p:par>
-        <p:cTn id="1" dur="indefinite" restart="never" nodeType="tmRoot">
-          <p:childTnLst>
-            <p:seq concurrent="1" nextAc="seek">
-              <p:cTn id="2" dur="0" nodeType="mainSeq"/>
-              <p:prevCondLst>
-                <p:cond evt="onPrev" delay="0">
-                  <p:tgtEl>
-                    <p:sldTgt/>
-                  </p:tgtEl>
-                </p:cond>
-              </p:prevCondLst>
-              <p:nextCondLst>
-                <p:cond evt="onNext" delay="0">
-                  <p:tgtEl>
-                    <p:sldTgt/>
-                  </p:tgtEl>
-                </p:cond>
-              </p:nextCondLst>
-            </p:seq>
-          </p:childTnLst>
-        </p:cTn>
-      </p:par>
-    </p:tnLst>
-  </p:timing>
 </p:sld>
 </file>
 
